--- a/templates/33rddegree/Hamlet DArcy - Getem before they get you.pptx
+++ b/templates/33rddegree/Hamlet DArcy - Getem before they get you.pptx
@@ -1110,7 +1110,7 @@
             <a:fld id="{A9B7B1F7-E70D-429C-A1A5-D9451287425C}" type="datetimeFigureOut">
               <a:rPr lang="en-US" smtClean="0"/>
               <a:pPr/>
-              <a:t>4/2/2011</a:t>
+              <a:t>4/4/2011</a:t>
             </a:fld>
             <a:endParaRPr lang="en-US"/>
           </a:p>
@@ -1353,7 +1353,7 @@
             <a:fld id="{A9B7B1F7-E70D-429C-A1A5-D9451287425C}" type="datetimeFigureOut">
               <a:rPr lang="en-US" smtClean="0"/>
               <a:pPr/>
-              <a:t>4/2/2011</a:t>
+              <a:t>4/4/2011</a:t>
             </a:fld>
             <a:endParaRPr lang="en-US"/>
           </a:p>
@@ -1638,7 +1638,7 @@
             <a:fld id="{A9B7B1F7-E70D-429C-A1A5-D9451287425C}" type="datetimeFigureOut">
               <a:rPr lang="en-US" smtClean="0"/>
               <a:pPr/>
-              <a:t>4/2/2011</a:t>
+              <a:t>4/4/2011</a:t>
             </a:fld>
             <a:endParaRPr lang="en-US"/>
           </a:p>
@@ -2057,7 +2057,7 @@
             <a:fld id="{A9B7B1F7-E70D-429C-A1A5-D9451287425C}" type="datetimeFigureOut">
               <a:rPr lang="en-US" smtClean="0"/>
               <a:pPr/>
-              <a:t>4/2/2011</a:t>
+              <a:t>4/4/2011</a:t>
             </a:fld>
             <a:endParaRPr lang="en-US"/>
           </a:p>
@@ -2172,7 +2172,7 @@
             <a:fld id="{A9B7B1F7-E70D-429C-A1A5-D9451287425C}" type="datetimeFigureOut">
               <a:rPr lang="en-US" smtClean="0"/>
               <a:pPr/>
-              <a:t>4/2/2011</a:t>
+              <a:t>4/4/2011</a:t>
             </a:fld>
             <a:endParaRPr lang="en-US"/>
           </a:p>
@@ -2264,7 +2264,7 @@
             <a:fld id="{A9B7B1F7-E70D-429C-A1A5-D9451287425C}" type="datetimeFigureOut">
               <a:rPr lang="en-US" smtClean="0"/>
               <a:pPr/>
-              <a:t>4/2/2011</a:t>
+              <a:t>4/4/2011</a:t>
             </a:fld>
             <a:endParaRPr lang="en-US"/>
           </a:p>
@@ -2538,7 +2538,7 @@
             <a:fld id="{A9B7B1F7-E70D-429C-A1A5-D9451287425C}" type="datetimeFigureOut">
               <a:rPr lang="en-US" smtClean="0"/>
               <a:pPr/>
-              <a:t>4/2/2011</a:t>
+              <a:t>4/4/2011</a:t>
             </a:fld>
             <a:endParaRPr lang="en-US"/>
           </a:p>
@@ -2788,7 +2788,7 @@
             <a:fld id="{A9B7B1F7-E70D-429C-A1A5-D9451287425C}" type="datetimeFigureOut">
               <a:rPr lang="en-US" smtClean="0"/>
               <a:pPr/>
-              <a:t>4/2/2011</a:t>
+              <a:t>4/4/2011</a:t>
             </a:fld>
             <a:endParaRPr lang="en-US"/>
           </a:p>
@@ -2955,7 +2955,7 @@
             <a:fld id="{A9B7B1F7-E70D-429C-A1A5-D9451287425C}" type="datetimeFigureOut">
               <a:rPr lang="en-US" smtClean="0"/>
               <a:pPr/>
-              <a:t>4/2/2011</a:t>
+              <a:t>4/4/2011</a:t>
             </a:fld>
             <a:endParaRPr lang="en-US"/>
           </a:p>
@@ -3680,7 +3680,7 @@
             <a:fld id="{A9B7B1F7-E70D-429C-A1A5-D9451287425C}" type="datetimeFigureOut">
               <a:rPr lang="en-US" smtClean="0"/>
               <a:pPr/>
-              <a:t>4/2/2011</a:t>
+              <a:t>4/4/2011</a:t>
             </a:fld>
             <a:endParaRPr lang="en-US"/>
           </a:p>
@@ -7515,7 +7515,7 @@
             <a:fld id="{A9B7B1F7-E70D-429C-A1A5-D9451287425C}" type="datetimeFigureOut">
               <a:rPr lang="en-US" smtClean="0"/>
               <a:pPr/>
-              <a:t>4/2/2011</a:t>
+              <a:t>4/4/2011</a:t>
             </a:fld>
             <a:endParaRPr lang="en-US"/>
           </a:p>
@@ -8118,15 +8118,17 @@
           <a:p>
             <a:r>
               <a:rPr lang="pl-PL" dirty="0" smtClean="0"/>
-              <a:t>Git and Gerrit in Action</a:t>
-            </a:r>
+              <a:t>Going Mobile with jQuery</a:t>
+            </a:r>
+            <a:endParaRPr lang="pl-PL" dirty="0" smtClean="0"/>
           </a:p>
           <a:p>
             <a:pPr lvl="1"/>
             <a:r>
               <a:rPr lang="pl-PL" dirty="0" smtClean="0"/>
-              <a:t>Chris Aniszczyk</a:t>
-            </a:r>
+              <a:t>Nathaniel Schutta</a:t>
+            </a:r>
+            <a:endParaRPr lang="pl-PL" dirty="0" smtClean="0"/>
           </a:p>
         </p:txBody>
       </p:sp>
@@ -8149,7 +8151,6 @@
               <a:rPr lang="pl-PL" dirty="0" smtClean="0"/>
               <a:t>JPA beyond essentials</a:t>
             </a:r>
-            <a:endParaRPr lang="pl-PL" dirty="0" smtClean="0"/>
           </a:p>
           <a:p>
             <a:pPr lvl="1"/>
